--- a/esquemas.pptx
+++ b/esquemas.pptx
@@ -6,6 +6,8 @@
   </p:sldMasterIdLst>
   <p:sldIdLst>
     <p:sldId id="256" r:id="rId2"/>
+    <p:sldId id="257" r:id="rId3"/>
+    <p:sldId id="258" r:id="rId4"/>
   </p:sldIdLst>
   <p:sldSz cx="12192000" cy="6858000"/>
   <p:notesSz cx="6858000" cy="9144000"/>
@@ -104,6 +106,11 @@
       </a:defRPr>
     </a:lvl9pPr>
   </p:defaultTextStyle>
+  <p:extLst>
+    <p:ext uri="{EFAFB233-063F-42B5-8137-9DF3F51BA10A}">
+      <p15:sldGuideLst xmlns:p15="http://schemas.microsoft.com/office/powerpoint/2012/main"/>
+    </p:ext>
+  </p:extLst>
 </p:presentation>
 </file>
 
@@ -238,7 +245,7 @@
           <a:p>
             <a:fld id="{98A2B1F0-CD59-4D94-A6D6-C05130191EF0}" type="datetimeFigureOut">
               <a:rPr lang="en-US" smtClean="0"/>
-              <a:t>1/29/2023</a:t>
+              <a:t>1/30/2023</a:t>
             </a:fld>
             <a:endParaRPr lang="en-US"/>
           </a:p>
@@ -408,7 +415,7 @@
           <a:p>
             <a:fld id="{98A2B1F0-CD59-4D94-A6D6-C05130191EF0}" type="datetimeFigureOut">
               <a:rPr lang="en-US" smtClean="0"/>
-              <a:t>1/29/2023</a:t>
+              <a:t>1/30/2023</a:t>
             </a:fld>
             <a:endParaRPr lang="en-US"/>
           </a:p>
@@ -588,7 +595,7 @@
           <a:p>
             <a:fld id="{98A2B1F0-CD59-4D94-A6D6-C05130191EF0}" type="datetimeFigureOut">
               <a:rPr lang="en-US" smtClean="0"/>
-              <a:t>1/29/2023</a:t>
+              <a:t>1/30/2023</a:t>
             </a:fld>
             <a:endParaRPr lang="en-US"/>
           </a:p>
@@ -758,7 +765,7 @@
           <a:p>
             <a:fld id="{98A2B1F0-CD59-4D94-A6D6-C05130191EF0}" type="datetimeFigureOut">
               <a:rPr lang="en-US" smtClean="0"/>
-              <a:t>1/29/2023</a:t>
+              <a:t>1/30/2023</a:t>
             </a:fld>
             <a:endParaRPr lang="en-US"/>
           </a:p>
@@ -1004,7 +1011,7 @@
           <a:p>
             <a:fld id="{98A2B1F0-CD59-4D94-A6D6-C05130191EF0}" type="datetimeFigureOut">
               <a:rPr lang="en-US" smtClean="0"/>
-              <a:t>1/29/2023</a:t>
+              <a:t>1/30/2023</a:t>
             </a:fld>
             <a:endParaRPr lang="en-US"/>
           </a:p>
@@ -1236,7 +1243,7 @@
           <a:p>
             <a:fld id="{98A2B1F0-CD59-4D94-A6D6-C05130191EF0}" type="datetimeFigureOut">
               <a:rPr lang="en-US" smtClean="0"/>
-              <a:t>1/29/2023</a:t>
+              <a:t>1/30/2023</a:t>
             </a:fld>
             <a:endParaRPr lang="en-US"/>
           </a:p>
@@ -1603,7 +1610,7 @@
           <a:p>
             <a:fld id="{98A2B1F0-CD59-4D94-A6D6-C05130191EF0}" type="datetimeFigureOut">
               <a:rPr lang="en-US" smtClean="0"/>
-              <a:t>1/29/2023</a:t>
+              <a:t>1/30/2023</a:t>
             </a:fld>
             <a:endParaRPr lang="en-US"/>
           </a:p>
@@ -1721,7 +1728,7 @@
           <a:p>
             <a:fld id="{98A2B1F0-CD59-4D94-A6D6-C05130191EF0}" type="datetimeFigureOut">
               <a:rPr lang="en-US" smtClean="0"/>
-              <a:t>1/29/2023</a:t>
+              <a:t>1/30/2023</a:t>
             </a:fld>
             <a:endParaRPr lang="en-US"/>
           </a:p>
@@ -1816,7 +1823,7 @@
           <a:p>
             <a:fld id="{98A2B1F0-CD59-4D94-A6D6-C05130191EF0}" type="datetimeFigureOut">
               <a:rPr lang="en-US" smtClean="0"/>
-              <a:t>1/29/2023</a:t>
+              <a:t>1/30/2023</a:t>
             </a:fld>
             <a:endParaRPr lang="en-US"/>
           </a:p>
@@ -2093,7 +2100,7 @@
           <a:p>
             <a:fld id="{98A2B1F0-CD59-4D94-A6D6-C05130191EF0}" type="datetimeFigureOut">
               <a:rPr lang="en-US" smtClean="0"/>
-              <a:t>1/29/2023</a:t>
+              <a:t>1/30/2023</a:t>
             </a:fld>
             <a:endParaRPr lang="en-US"/>
           </a:p>
@@ -2350,7 +2357,7 @@
           <a:p>
             <a:fld id="{98A2B1F0-CD59-4D94-A6D6-C05130191EF0}" type="datetimeFigureOut">
               <a:rPr lang="en-US" smtClean="0"/>
-              <a:t>1/29/2023</a:t>
+              <a:t>1/30/2023</a:t>
             </a:fld>
             <a:endParaRPr lang="en-US"/>
           </a:p>
@@ -2563,7 +2570,7 @@
           <a:p>
             <a:fld id="{98A2B1F0-CD59-4D94-A6D6-C05130191EF0}" type="datetimeFigureOut">
               <a:rPr lang="en-US" smtClean="0"/>
-              <a:t>1/29/2023</a:t>
+              <a:t>1/30/2023</a:t>
             </a:fld>
             <a:endParaRPr lang="en-US"/>
           </a:p>
@@ -3948,6 +3955,1305 @@
 </p:sld>
 </file>
 
+<file path=ppt/slides/slide2.xml><?xml version="1.0" encoding="utf-8"?>
+<p:sld xmlns:a="http://schemas.openxmlformats.org/drawingml/2006/main" xmlns:r="http://schemas.openxmlformats.org/officeDocument/2006/relationships" xmlns:p="http://schemas.openxmlformats.org/presentationml/2006/main">
+  <p:cSld>
+    <p:spTree>
+      <p:nvGrpSpPr>
+        <p:cNvPr id="1" name=""/>
+        <p:cNvGrpSpPr/>
+        <p:nvPr/>
+      </p:nvGrpSpPr>
+      <p:grpSpPr>
+        <a:xfrm>
+          <a:off x="0" y="0"/>
+          <a:ext cx="0" cy="0"/>
+          <a:chOff x="0" y="0"/>
+          <a:chExt cx="0" cy="0"/>
+        </a:xfrm>
+      </p:grpSpPr>
+      <p:sp>
+        <p:nvSpPr>
+          <p:cNvPr id="4" name="Rectángulo: esquinas redondeadas 3">
+            <a:extLst>
+              <a:ext uri="{FF2B5EF4-FFF2-40B4-BE49-F238E27FC236}">
+                <a16:creationId xmlns:a16="http://schemas.microsoft.com/office/drawing/2014/main" id="{39FA941D-7719-F192-1DAE-B50C1590D9DB}"/>
+              </a:ext>
+            </a:extLst>
+          </p:cNvPr>
+          <p:cNvSpPr/>
+          <p:nvPr/>
+        </p:nvSpPr>
+        <p:spPr>
+          <a:xfrm>
+            <a:off x="223523" y="2241176"/>
+            <a:ext cx="3752094" cy="3012141"/>
+          </a:xfrm>
+          <a:prstGeom prst="roundRect">
+            <a:avLst/>
+          </a:prstGeom>
+        </p:spPr>
+        <p:style>
+          <a:lnRef idx="2">
+            <a:schemeClr val="accent1">
+              <a:shade val="50000"/>
+            </a:schemeClr>
+          </a:lnRef>
+          <a:fillRef idx="1">
+            <a:schemeClr val="accent1"/>
+          </a:fillRef>
+          <a:effectRef idx="0">
+            <a:schemeClr val="accent1"/>
+          </a:effectRef>
+          <a:fontRef idx="minor">
+            <a:schemeClr val="lt1"/>
+          </a:fontRef>
+        </p:style>
+        <p:txBody>
+          <a:bodyPr rtlCol="0" anchor="ctr"/>
+          <a:lstStyle/>
+          <a:p>
+            <a:pPr algn="ctr"/>
+            <a:r>
+              <a:rPr lang="en-US" dirty="0"/>
+              <a:t>Principal Server</a:t>
+            </a:r>
+          </a:p>
+        </p:txBody>
+      </p:sp>
+      <p:sp>
+        <p:nvSpPr>
+          <p:cNvPr id="57" name="Rectángulo: esquinas redondeadas 56">
+            <a:extLst>
+              <a:ext uri="{FF2B5EF4-FFF2-40B4-BE49-F238E27FC236}">
+                <a16:creationId xmlns:a16="http://schemas.microsoft.com/office/drawing/2014/main" id="{6795E6F1-5983-0260-23D6-2452E4994917}"/>
+              </a:ext>
+            </a:extLst>
+          </p:cNvPr>
+          <p:cNvSpPr/>
+          <p:nvPr/>
+        </p:nvSpPr>
+        <p:spPr>
+          <a:xfrm>
+            <a:off x="395524" y="161211"/>
+            <a:ext cx="2388870" cy="880110"/>
+          </a:xfrm>
+          <a:prstGeom prst="roundRect">
+            <a:avLst/>
+          </a:prstGeom>
+        </p:spPr>
+        <p:style>
+          <a:lnRef idx="2">
+            <a:schemeClr val="accent1">
+              <a:shade val="50000"/>
+            </a:schemeClr>
+          </a:lnRef>
+          <a:fillRef idx="1">
+            <a:schemeClr val="accent1"/>
+          </a:fillRef>
+          <a:effectRef idx="0">
+            <a:schemeClr val="accent1"/>
+          </a:effectRef>
+          <a:fontRef idx="minor">
+            <a:schemeClr val="lt1"/>
+          </a:fontRef>
+        </p:style>
+        <p:txBody>
+          <a:bodyPr rtlCol="0" anchor="ctr"/>
+          <a:lstStyle/>
+          <a:p>
+            <a:pPr algn="ctr"/>
+            <a:r>
+              <a:rPr lang="en-US" dirty="0"/>
+              <a:t>Virtual Lab Scheme</a:t>
+            </a:r>
+          </a:p>
+          <a:p>
+            <a:pPr algn="ctr"/>
+            <a:r>
+              <a:rPr lang="en-US" dirty="0"/>
+              <a:t>v1.0.0</a:t>
+            </a:r>
+          </a:p>
+        </p:txBody>
+      </p:sp>
+      <p:sp>
+        <p:nvSpPr>
+          <p:cNvPr id="2" name="Rectángulo: esquinas redondeadas 1">
+            <a:extLst>
+              <a:ext uri="{FF2B5EF4-FFF2-40B4-BE49-F238E27FC236}">
+                <a16:creationId xmlns:a16="http://schemas.microsoft.com/office/drawing/2014/main" id="{4103EB21-EEE9-E2B2-AF64-4E295C35553B}"/>
+              </a:ext>
+            </a:extLst>
+          </p:cNvPr>
+          <p:cNvSpPr/>
+          <p:nvPr/>
+        </p:nvSpPr>
+        <p:spPr>
+          <a:xfrm>
+            <a:off x="4550819" y="2519921"/>
+            <a:ext cx="1248726" cy="752475"/>
+          </a:xfrm>
+          <a:prstGeom prst="roundRect">
+            <a:avLst/>
+          </a:prstGeom>
+        </p:spPr>
+        <p:style>
+          <a:lnRef idx="2">
+            <a:schemeClr val="accent1">
+              <a:shade val="50000"/>
+            </a:schemeClr>
+          </a:lnRef>
+          <a:fillRef idx="1">
+            <a:schemeClr val="accent1"/>
+          </a:fillRef>
+          <a:effectRef idx="0">
+            <a:schemeClr val="accent1"/>
+          </a:effectRef>
+          <a:fontRef idx="minor">
+            <a:schemeClr val="lt1"/>
+          </a:fontRef>
+        </p:style>
+        <p:txBody>
+          <a:bodyPr rtlCol="0" anchor="ctr"/>
+          <a:lstStyle/>
+          <a:p>
+            <a:pPr algn="ctr"/>
+            <a:r>
+              <a:rPr lang="en-US" dirty="0"/>
+              <a:t>Router</a:t>
+            </a:r>
+          </a:p>
+        </p:txBody>
+      </p:sp>
+      <p:sp>
+        <p:nvSpPr>
+          <p:cNvPr id="3" name="Rectángulo: esquinas redondeadas 2">
+            <a:extLst>
+              <a:ext uri="{FF2B5EF4-FFF2-40B4-BE49-F238E27FC236}">
+                <a16:creationId xmlns:a16="http://schemas.microsoft.com/office/drawing/2014/main" id="{A05A955D-993F-2E45-AE62-8E40EA16EBF0}"/>
+              </a:ext>
+            </a:extLst>
+          </p:cNvPr>
+          <p:cNvSpPr/>
+          <p:nvPr/>
+        </p:nvSpPr>
+        <p:spPr>
+          <a:xfrm>
+            <a:off x="6221530" y="3747245"/>
+            <a:ext cx="1248726" cy="752475"/>
+          </a:xfrm>
+          <a:prstGeom prst="roundRect">
+            <a:avLst/>
+          </a:prstGeom>
+        </p:spPr>
+        <p:style>
+          <a:lnRef idx="2">
+            <a:schemeClr val="accent1">
+              <a:shade val="50000"/>
+            </a:schemeClr>
+          </a:lnRef>
+          <a:fillRef idx="1">
+            <a:schemeClr val="accent1"/>
+          </a:fillRef>
+          <a:effectRef idx="0">
+            <a:schemeClr val="accent1"/>
+          </a:effectRef>
+          <a:fontRef idx="minor">
+            <a:schemeClr val="lt1"/>
+          </a:fontRef>
+        </p:style>
+        <p:txBody>
+          <a:bodyPr rtlCol="0" anchor="ctr"/>
+          <a:lstStyle/>
+          <a:p>
+            <a:pPr algn="ctr"/>
+            <a:r>
+              <a:rPr lang="en-US" dirty="0"/>
+              <a:t>Internet</a:t>
+            </a:r>
+          </a:p>
+        </p:txBody>
+      </p:sp>
+      <p:sp>
+        <p:nvSpPr>
+          <p:cNvPr id="17" name="Rectángulo: esquinas redondeadas 16">
+            <a:extLst>
+              <a:ext uri="{FF2B5EF4-FFF2-40B4-BE49-F238E27FC236}">
+                <a16:creationId xmlns:a16="http://schemas.microsoft.com/office/drawing/2014/main" id="{6EA34D36-38FC-6B37-7C57-5A4586A6D40B}"/>
+              </a:ext>
+            </a:extLst>
+          </p:cNvPr>
+          <p:cNvSpPr/>
+          <p:nvPr/>
+        </p:nvSpPr>
+        <p:spPr>
+          <a:xfrm>
+            <a:off x="8045458" y="2241175"/>
+            <a:ext cx="3752094" cy="3012141"/>
+          </a:xfrm>
+          <a:prstGeom prst="roundRect">
+            <a:avLst/>
+          </a:prstGeom>
+        </p:spPr>
+        <p:style>
+          <a:lnRef idx="2">
+            <a:schemeClr val="accent1">
+              <a:shade val="50000"/>
+            </a:schemeClr>
+          </a:lnRef>
+          <a:fillRef idx="1">
+            <a:schemeClr val="accent1"/>
+          </a:fillRef>
+          <a:effectRef idx="0">
+            <a:schemeClr val="accent1"/>
+          </a:effectRef>
+          <a:fontRef idx="minor">
+            <a:schemeClr val="lt1"/>
+          </a:fontRef>
+        </p:style>
+        <p:txBody>
+          <a:bodyPr rtlCol="0" anchor="ctr"/>
+          <a:lstStyle/>
+          <a:p>
+            <a:pPr algn="ctr"/>
+            <a:r>
+              <a:rPr lang="en-US" dirty="0"/>
+              <a:t>Client/frontend</a:t>
+            </a:r>
+          </a:p>
+        </p:txBody>
+      </p:sp>
+      <p:sp>
+        <p:nvSpPr>
+          <p:cNvPr id="18" name="Rectángulo: esquinas redondeadas 17">
+            <a:extLst>
+              <a:ext uri="{FF2B5EF4-FFF2-40B4-BE49-F238E27FC236}">
+                <a16:creationId xmlns:a16="http://schemas.microsoft.com/office/drawing/2014/main" id="{522A6A96-4AAC-0AEB-3D39-4EC02DDC3DAB}"/>
+              </a:ext>
+            </a:extLst>
+          </p:cNvPr>
+          <p:cNvSpPr/>
+          <p:nvPr/>
+        </p:nvSpPr>
+        <p:spPr>
+          <a:xfrm>
+            <a:off x="258348" y="4673260"/>
+            <a:ext cx="1714834" cy="445770"/>
+          </a:xfrm>
+          <a:prstGeom prst="roundRect">
+            <a:avLst/>
+          </a:prstGeom>
+          <a:solidFill>
+            <a:srgbClr val="FFC000"/>
+          </a:solidFill>
+        </p:spPr>
+        <p:style>
+          <a:lnRef idx="2">
+            <a:schemeClr val="accent1">
+              <a:shade val="50000"/>
+            </a:schemeClr>
+          </a:lnRef>
+          <a:fillRef idx="1">
+            <a:schemeClr val="accent1"/>
+          </a:fillRef>
+          <a:effectRef idx="0">
+            <a:schemeClr val="accent1"/>
+          </a:effectRef>
+          <a:fontRef idx="minor">
+            <a:schemeClr val="lt1"/>
+          </a:fontRef>
+        </p:style>
+        <p:txBody>
+          <a:bodyPr rtlCol="0" anchor="ctr"/>
+          <a:lstStyle/>
+          <a:p>
+            <a:pPr algn="ctr"/>
+            <a:r>
+              <a:rPr lang="en-US" dirty="0" err="1"/>
+              <a:t>backendSource</a:t>
+            </a:r>
+            <a:endParaRPr lang="en-US" dirty="0"/>
+          </a:p>
+        </p:txBody>
+      </p:sp>
+      <p:sp>
+        <p:nvSpPr>
+          <p:cNvPr id="19" name="Rectángulo: esquinas redondeadas 18">
+            <a:extLst>
+              <a:ext uri="{FF2B5EF4-FFF2-40B4-BE49-F238E27FC236}">
+                <a16:creationId xmlns:a16="http://schemas.microsoft.com/office/drawing/2014/main" id="{B400F8A6-5BBE-8CB9-40AE-D8830400EDC6}"/>
+              </a:ext>
+            </a:extLst>
+          </p:cNvPr>
+          <p:cNvSpPr/>
+          <p:nvPr/>
+        </p:nvSpPr>
+        <p:spPr>
+          <a:xfrm>
+            <a:off x="2260783" y="4673260"/>
+            <a:ext cx="1714834" cy="445770"/>
+          </a:xfrm>
+          <a:prstGeom prst="roundRect">
+            <a:avLst/>
+          </a:prstGeom>
+          <a:solidFill>
+            <a:srgbClr val="FFC000"/>
+          </a:solidFill>
+        </p:spPr>
+        <p:style>
+          <a:lnRef idx="2">
+            <a:schemeClr val="accent1">
+              <a:shade val="50000"/>
+            </a:schemeClr>
+          </a:lnRef>
+          <a:fillRef idx="1">
+            <a:schemeClr val="accent1"/>
+          </a:fillRef>
+          <a:effectRef idx="0">
+            <a:schemeClr val="accent1"/>
+          </a:effectRef>
+          <a:fontRef idx="minor">
+            <a:schemeClr val="lt1"/>
+          </a:fontRef>
+        </p:style>
+        <p:txBody>
+          <a:bodyPr rtlCol="0" anchor="ctr"/>
+          <a:lstStyle/>
+          <a:p>
+            <a:pPr algn="ctr"/>
+            <a:r>
+              <a:rPr lang="en-US" dirty="0" err="1"/>
+              <a:t>backendOutput</a:t>
+            </a:r>
+            <a:endParaRPr lang="en-US" dirty="0"/>
+          </a:p>
+        </p:txBody>
+      </p:sp>
+      <p:sp>
+        <p:nvSpPr>
+          <p:cNvPr id="20" name="Rectángulo: esquinas redondeadas 19">
+            <a:extLst>
+              <a:ext uri="{FF2B5EF4-FFF2-40B4-BE49-F238E27FC236}">
+                <a16:creationId xmlns:a16="http://schemas.microsoft.com/office/drawing/2014/main" id="{6E0A5FF8-C647-6AD1-BF94-9EA4F3A6E1AF}"/>
+              </a:ext>
+            </a:extLst>
+          </p:cNvPr>
+          <p:cNvSpPr/>
+          <p:nvPr/>
+        </p:nvSpPr>
+        <p:spPr>
+          <a:xfrm>
+            <a:off x="1518557" y="4093203"/>
+            <a:ext cx="1162026" cy="445770"/>
+          </a:xfrm>
+          <a:prstGeom prst="roundRect">
+            <a:avLst/>
+          </a:prstGeom>
+          <a:solidFill>
+            <a:srgbClr val="7030A0"/>
+          </a:solidFill>
+        </p:spPr>
+        <p:style>
+          <a:lnRef idx="2">
+            <a:schemeClr val="accent1">
+              <a:shade val="50000"/>
+            </a:schemeClr>
+          </a:lnRef>
+          <a:fillRef idx="1">
+            <a:schemeClr val="accent1"/>
+          </a:fillRef>
+          <a:effectRef idx="0">
+            <a:schemeClr val="accent1"/>
+          </a:effectRef>
+          <a:fontRef idx="minor">
+            <a:schemeClr val="lt1"/>
+          </a:fontRef>
+        </p:style>
+        <p:txBody>
+          <a:bodyPr rtlCol="0" anchor="ctr"/>
+          <a:lstStyle/>
+          <a:p>
+            <a:pPr algn="ctr"/>
+            <a:r>
+              <a:rPr lang="en-US" dirty="0"/>
+              <a:t>Compiler</a:t>
+            </a:r>
+          </a:p>
+        </p:txBody>
+      </p:sp>
+      <p:sp>
+        <p:nvSpPr>
+          <p:cNvPr id="21" name="Rectángulo: esquinas redondeadas 20">
+            <a:extLst>
+              <a:ext uri="{FF2B5EF4-FFF2-40B4-BE49-F238E27FC236}">
+                <a16:creationId xmlns:a16="http://schemas.microsoft.com/office/drawing/2014/main" id="{36EF6AD8-261C-0EB4-92EA-F3E6F2CE87BB}"/>
+              </a:ext>
+            </a:extLst>
+          </p:cNvPr>
+          <p:cNvSpPr/>
+          <p:nvPr/>
+        </p:nvSpPr>
+        <p:spPr>
+          <a:xfrm>
+            <a:off x="3308816" y="3404678"/>
+            <a:ext cx="666802" cy="445770"/>
+          </a:xfrm>
+          <a:prstGeom prst="roundRect">
+            <a:avLst/>
+          </a:prstGeom>
+          <a:solidFill>
+            <a:srgbClr val="7030A0"/>
+          </a:solidFill>
+        </p:spPr>
+        <p:style>
+          <a:lnRef idx="2">
+            <a:schemeClr val="accent1">
+              <a:shade val="50000"/>
+            </a:schemeClr>
+          </a:lnRef>
+          <a:fillRef idx="1">
+            <a:schemeClr val="accent1"/>
+          </a:fillRef>
+          <a:effectRef idx="0">
+            <a:schemeClr val="accent1"/>
+          </a:effectRef>
+          <a:fontRef idx="minor">
+            <a:schemeClr val="lt1"/>
+          </a:fontRef>
+        </p:style>
+        <p:txBody>
+          <a:bodyPr rtlCol="0" anchor="ctr"/>
+          <a:lstStyle/>
+          <a:p>
+            <a:pPr algn="ctr"/>
+            <a:r>
+              <a:rPr lang="en-US" dirty="0"/>
+              <a:t>Ip</a:t>
+            </a:r>
+          </a:p>
+        </p:txBody>
+      </p:sp>
+      <p:cxnSp>
+        <p:nvCxnSpPr>
+          <p:cNvPr id="22" name="Conector recto de flecha 21">
+            <a:extLst>
+              <a:ext uri="{FF2B5EF4-FFF2-40B4-BE49-F238E27FC236}">
+                <a16:creationId xmlns:a16="http://schemas.microsoft.com/office/drawing/2014/main" id="{FB022F01-EBE1-6231-DC4F-1A8B755AF859}"/>
+              </a:ext>
+            </a:extLst>
+          </p:cNvPr>
+          <p:cNvCxnSpPr>
+            <a:cxnSpLocks/>
+            <a:stCxn id="4" idx="3"/>
+            <a:endCxn id="2" idx="1"/>
+          </p:cNvCxnSpPr>
+          <p:nvPr/>
+        </p:nvCxnSpPr>
+        <p:spPr>
+          <a:xfrm flipV="1">
+            <a:off x="3975617" y="2896159"/>
+            <a:ext cx="575202" cy="851088"/>
+          </a:xfrm>
+          <a:prstGeom prst="straightConnector1">
+            <a:avLst/>
+          </a:prstGeom>
+          <a:ln w="76200">
+            <a:solidFill>
+              <a:srgbClr val="7030A0"/>
+            </a:solidFill>
+            <a:headEnd type="triangle"/>
+            <a:tailEnd type="triangle"/>
+          </a:ln>
+        </p:spPr>
+        <p:style>
+          <a:lnRef idx="1">
+            <a:schemeClr val="accent1"/>
+          </a:lnRef>
+          <a:fillRef idx="0">
+            <a:schemeClr val="accent1"/>
+          </a:fillRef>
+          <a:effectRef idx="0">
+            <a:schemeClr val="accent1"/>
+          </a:effectRef>
+          <a:fontRef idx="minor">
+            <a:schemeClr val="tx1"/>
+          </a:fontRef>
+        </p:style>
+      </p:cxnSp>
+      <p:cxnSp>
+        <p:nvCxnSpPr>
+          <p:cNvPr id="26" name="Conector recto de flecha 25">
+            <a:extLst>
+              <a:ext uri="{FF2B5EF4-FFF2-40B4-BE49-F238E27FC236}">
+                <a16:creationId xmlns:a16="http://schemas.microsoft.com/office/drawing/2014/main" id="{65BAAF13-2B45-1E4F-C78E-7C6329308311}"/>
+              </a:ext>
+            </a:extLst>
+          </p:cNvPr>
+          <p:cNvCxnSpPr>
+            <a:cxnSpLocks/>
+            <a:stCxn id="3" idx="1"/>
+            <a:endCxn id="2" idx="3"/>
+          </p:cNvCxnSpPr>
+          <p:nvPr/>
+        </p:nvCxnSpPr>
+        <p:spPr>
+          <a:xfrm flipH="1" flipV="1">
+            <a:off x="5799545" y="2896159"/>
+            <a:ext cx="421985" cy="1227324"/>
+          </a:xfrm>
+          <a:prstGeom prst="straightConnector1">
+            <a:avLst/>
+          </a:prstGeom>
+          <a:ln w="76200">
+            <a:solidFill>
+              <a:srgbClr val="7030A0"/>
+            </a:solidFill>
+            <a:headEnd type="triangle"/>
+            <a:tailEnd type="triangle"/>
+          </a:ln>
+        </p:spPr>
+        <p:style>
+          <a:lnRef idx="1">
+            <a:schemeClr val="accent1"/>
+          </a:lnRef>
+          <a:fillRef idx="0">
+            <a:schemeClr val="accent1"/>
+          </a:fillRef>
+          <a:effectRef idx="0">
+            <a:schemeClr val="accent1"/>
+          </a:effectRef>
+          <a:fontRef idx="minor">
+            <a:schemeClr val="tx1"/>
+          </a:fontRef>
+        </p:style>
+      </p:cxnSp>
+      <p:cxnSp>
+        <p:nvCxnSpPr>
+          <p:cNvPr id="32" name="Conector recto de flecha 31">
+            <a:extLst>
+              <a:ext uri="{FF2B5EF4-FFF2-40B4-BE49-F238E27FC236}">
+                <a16:creationId xmlns:a16="http://schemas.microsoft.com/office/drawing/2014/main" id="{E91B9F54-B9A8-6752-3CD4-06E88758070F}"/>
+              </a:ext>
+            </a:extLst>
+          </p:cNvPr>
+          <p:cNvCxnSpPr>
+            <a:cxnSpLocks/>
+            <a:stCxn id="17" idx="1"/>
+            <a:endCxn id="3" idx="3"/>
+          </p:cNvCxnSpPr>
+          <p:nvPr/>
+        </p:nvCxnSpPr>
+        <p:spPr>
+          <a:xfrm flipH="1">
+            <a:off x="7470256" y="3747246"/>
+            <a:ext cx="575202" cy="376237"/>
+          </a:xfrm>
+          <a:prstGeom prst="straightConnector1">
+            <a:avLst/>
+          </a:prstGeom>
+          <a:ln w="76200">
+            <a:solidFill>
+              <a:srgbClr val="7030A0"/>
+            </a:solidFill>
+            <a:headEnd type="triangle"/>
+            <a:tailEnd type="triangle"/>
+          </a:ln>
+        </p:spPr>
+        <p:style>
+          <a:lnRef idx="1">
+            <a:schemeClr val="accent1"/>
+          </a:lnRef>
+          <a:fillRef idx="0">
+            <a:schemeClr val="accent1"/>
+          </a:fillRef>
+          <a:effectRef idx="0">
+            <a:schemeClr val="accent1"/>
+          </a:effectRef>
+          <a:fontRef idx="minor">
+            <a:schemeClr val="tx1"/>
+          </a:fontRef>
+        </p:style>
+      </p:cxnSp>
+      <p:sp>
+        <p:nvSpPr>
+          <p:cNvPr id="36" name="Rectángulo: esquinas redondeadas 35">
+            <a:extLst>
+              <a:ext uri="{FF2B5EF4-FFF2-40B4-BE49-F238E27FC236}">
+                <a16:creationId xmlns:a16="http://schemas.microsoft.com/office/drawing/2014/main" id="{A548FC36-DF56-7694-D760-CC6FB9433146}"/>
+              </a:ext>
+            </a:extLst>
+          </p:cNvPr>
+          <p:cNvSpPr/>
+          <p:nvPr/>
+        </p:nvSpPr>
+        <p:spPr>
+          <a:xfrm>
+            <a:off x="564776" y="3106555"/>
+            <a:ext cx="2274623" cy="445770"/>
+          </a:xfrm>
+          <a:prstGeom prst="roundRect">
+            <a:avLst>
+              <a:gd name="adj" fmla="val 16667"/>
+            </a:avLst>
+          </a:prstGeom>
+          <a:solidFill>
+            <a:srgbClr val="FFC000"/>
+          </a:solidFill>
+        </p:spPr>
+        <p:style>
+          <a:lnRef idx="2">
+            <a:schemeClr val="accent1">
+              <a:shade val="50000"/>
+            </a:schemeClr>
+          </a:lnRef>
+          <a:fillRef idx="1">
+            <a:schemeClr val="accent1"/>
+          </a:fillRef>
+          <a:effectRef idx="0">
+            <a:schemeClr val="accent1"/>
+          </a:effectRef>
+          <a:fontRef idx="minor">
+            <a:schemeClr val="lt1"/>
+          </a:fontRef>
+        </p:style>
+        <p:txBody>
+          <a:bodyPr rtlCol="0" anchor="ctr"/>
+          <a:lstStyle/>
+          <a:p>
+            <a:pPr algn="ctr"/>
+            <a:r>
+              <a:rPr lang="en-US" dirty="0"/>
+              <a:t>Frontend complete</a:t>
+            </a:r>
+          </a:p>
+        </p:txBody>
+      </p:sp>
+      <p:sp>
+        <p:nvSpPr>
+          <p:cNvPr id="41" name="Rectángulo: esquinas redondeadas 40">
+            <a:extLst>
+              <a:ext uri="{FF2B5EF4-FFF2-40B4-BE49-F238E27FC236}">
+                <a16:creationId xmlns:a16="http://schemas.microsoft.com/office/drawing/2014/main" id="{73E63479-1636-77F3-4561-22BA27592561}"/>
+              </a:ext>
+            </a:extLst>
+          </p:cNvPr>
+          <p:cNvSpPr/>
+          <p:nvPr/>
+        </p:nvSpPr>
+        <p:spPr>
+          <a:xfrm>
+            <a:off x="488748" y="2431391"/>
+            <a:ext cx="1029809" cy="445770"/>
+          </a:xfrm>
+          <a:prstGeom prst="roundRect">
+            <a:avLst>
+              <a:gd name="adj" fmla="val 16667"/>
+            </a:avLst>
+          </a:prstGeom>
+          <a:solidFill>
+            <a:srgbClr val="FFC000"/>
+          </a:solidFill>
+        </p:spPr>
+        <p:style>
+          <a:lnRef idx="2">
+            <a:schemeClr val="accent1">
+              <a:shade val="50000"/>
+            </a:schemeClr>
+          </a:lnRef>
+          <a:fillRef idx="1">
+            <a:schemeClr val="accent1"/>
+          </a:fillRef>
+          <a:effectRef idx="0">
+            <a:schemeClr val="accent1"/>
+          </a:effectRef>
+          <a:fontRef idx="minor">
+            <a:schemeClr val="lt1"/>
+          </a:fontRef>
+        </p:style>
+        <p:txBody>
+          <a:bodyPr rtlCol="0" anchor="ctr"/>
+          <a:lstStyle/>
+          <a:p>
+            <a:pPr algn="ctr"/>
+            <a:r>
+              <a:rPr lang="en-US" dirty="0" err="1"/>
+              <a:t>Login.ts</a:t>
+            </a:r>
+            <a:endParaRPr lang="en-US" dirty="0"/>
+          </a:p>
+        </p:txBody>
+      </p:sp>
+      <p:sp>
+        <p:nvSpPr>
+          <p:cNvPr id="42" name="Rectángulo: esquinas redondeadas 41">
+            <a:extLst>
+              <a:ext uri="{FF2B5EF4-FFF2-40B4-BE49-F238E27FC236}">
+                <a16:creationId xmlns:a16="http://schemas.microsoft.com/office/drawing/2014/main" id="{17E9DC90-D848-E77B-3C52-672676BE7AFF}"/>
+              </a:ext>
+            </a:extLst>
+          </p:cNvPr>
+          <p:cNvSpPr/>
+          <p:nvPr/>
+        </p:nvSpPr>
+        <p:spPr>
+          <a:xfrm>
+            <a:off x="9301577" y="2476361"/>
+            <a:ext cx="1249440" cy="445770"/>
+          </a:xfrm>
+          <a:prstGeom prst="roundRect">
+            <a:avLst>
+              <a:gd name="adj" fmla="val 16667"/>
+            </a:avLst>
+          </a:prstGeom>
+          <a:solidFill>
+            <a:srgbClr val="FFC000"/>
+          </a:solidFill>
+        </p:spPr>
+        <p:style>
+          <a:lnRef idx="2">
+            <a:schemeClr val="accent1">
+              <a:shade val="50000"/>
+            </a:schemeClr>
+          </a:lnRef>
+          <a:fillRef idx="1">
+            <a:schemeClr val="accent1"/>
+          </a:fillRef>
+          <a:effectRef idx="0">
+            <a:schemeClr val="accent1"/>
+          </a:effectRef>
+          <a:fontRef idx="minor">
+            <a:schemeClr val="lt1"/>
+          </a:fontRef>
+        </p:style>
+        <p:txBody>
+          <a:bodyPr rtlCol="0" anchor="ctr"/>
+          <a:lstStyle/>
+          <a:p>
+            <a:pPr algn="ctr"/>
+            <a:r>
+              <a:rPr lang="en-US" dirty="0"/>
+              <a:t>login.html</a:t>
+            </a:r>
+          </a:p>
+        </p:txBody>
+      </p:sp>
+      <p:sp>
+        <p:nvSpPr>
+          <p:cNvPr id="45" name="Rectángulo: esquinas redondeadas 44">
+            <a:extLst>
+              <a:ext uri="{FF2B5EF4-FFF2-40B4-BE49-F238E27FC236}">
+                <a16:creationId xmlns:a16="http://schemas.microsoft.com/office/drawing/2014/main" id="{9F0B414B-8859-9229-CAAB-6DD133D42A3E}"/>
+              </a:ext>
+            </a:extLst>
+          </p:cNvPr>
+          <p:cNvSpPr/>
+          <p:nvPr/>
+        </p:nvSpPr>
+        <p:spPr>
+          <a:xfrm>
+            <a:off x="2430904" y="2431391"/>
+            <a:ext cx="1029809" cy="445770"/>
+          </a:xfrm>
+          <a:prstGeom prst="roundRect">
+            <a:avLst>
+              <a:gd name="adj" fmla="val 16667"/>
+            </a:avLst>
+          </a:prstGeom>
+          <a:solidFill>
+            <a:srgbClr val="FFC000"/>
+          </a:solidFill>
+        </p:spPr>
+        <p:style>
+          <a:lnRef idx="2">
+            <a:schemeClr val="accent1">
+              <a:shade val="50000"/>
+            </a:schemeClr>
+          </a:lnRef>
+          <a:fillRef idx="1">
+            <a:schemeClr val="accent1"/>
+          </a:fillRef>
+          <a:effectRef idx="0">
+            <a:schemeClr val="accent1"/>
+          </a:effectRef>
+          <a:fontRef idx="minor">
+            <a:schemeClr val="lt1"/>
+          </a:fontRef>
+        </p:style>
+        <p:txBody>
+          <a:bodyPr rtlCol="0" anchor="ctr"/>
+          <a:lstStyle/>
+          <a:p>
+            <a:pPr algn="ctr"/>
+            <a:r>
+              <a:rPr lang="en-US" dirty="0"/>
+              <a:t>Login.js</a:t>
+            </a:r>
+          </a:p>
+        </p:txBody>
+      </p:sp>
+      <p:sp>
+        <p:nvSpPr>
+          <p:cNvPr id="46" name="Rectángulo: esquinas redondeadas 45">
+            <a:extLst>
+              <a:ext uri="{FF2B5EF4-FFF2-40B4-BE49-F238E27FC236}">
+                <a16:creationId xmlns:a16="http://schemas.microsoft.com/office/drawing/2014/main" id="{300F98E1-0335-5D8E-DCA3-E6E7C6C184B1}"/>
+              </a:ext>
+            </a:extLst>
+          </p:cNvPr>
+          <p:cNvSpPr/>
+          <p:nvPr/>
+        </p:nvSpPr>
+        <p:spPr>
+          <a:xfrm>
+            <a:off x="8958360" y="4053950"/>
+            <a:ext cx="1822051" cy="445770"/>
+          </a:xfrm>
+          <a:prstGeom prst="roundRect">
+            <a:avLst>
+              <a:gd name="adj" fmla="val 16667"/>
+            </a:avLst>
+          </a:prstGeom>
+          <a:solidFill>
+            <a:srgbClr val="FFC000"/>
+          </a:solidFill>
+        </p:spPr>
+        <p:style>
+          <a:lnRef idx="2">
+            <a:schemeClr val="accent1">
+              <a:shade val="50000"/>
+            </a:schemeClr>
+          </a:lnRef>
+          <a:fillRef idx="1">
+            <a:schemeClr val="accent1"/>
+          </a:fillRef>
+          <a:effectRef idx="0">
+            <a:schemeClr val="accent1"/>
+          </a:effectRef>
+          <a:fontRef idx="minor">
+            <a:schemeClr val="lt1"/>
+          </a:fontRef>
+        </p:style>
+        <p:txBody>
+          <a:bodyPr rtlCol="0" anchor="ctr"/>
+          <a:lstStyle/>
+          <a:p>
+            <a:pPr algn="ctr"/>
+            <a:r>
+              <a:rPr lang="en-US" dirty="0"/>
+              <a:t>Frontend incomplete</a:t>
+            </a:r>
+          </a:p>
+        </p:txBody>
+      </p:sp>
+    </p:spTree>
+    <p:extLst>
+      <p:ext uri="{BB962C8B-B14F-4D97-AF65-F5344CB8AC3E}">
+        <p14:creationId xmlns:p14="http://schemas.microsoft.com/office/powerpoint/2010/main" val="3822822144"/>
+      </p:ext>
+    </p:extLst>
+  </p:cSld>
+  <p:clrMapOvr>
+    <a:masterClrMapping/>
+  </p:clrMapOvr>
+</p:sld>
+</file>
+
+<file path=ppt/slides/slide3.xml><?xml version="1.0" encoding="utf-8"?>
+<p:sld xmlns:a="http://schemas.openxmlformats.org/drawingml/2006/main" xmlns:r="http://schemas.openxmlformats.org/officeDocument/2006/relationships" xmlns:p="http://schemas.openxmlformats.org/presentationml/2006/main">
+  <p:cSld>
+    <p:spTree>
+      <p:nvGrpSpPr>
+        <p:cNvPr id="1" name=""/>
+        <p:cNvGrpSpPr/>
+        <p:nvPr/>
+      </p:nvGrpSpPr>
+      <p:grpSpPr>
+        <a:xfrm>
+          <a:off x="0" y="0"/>
+          <a:ext cx="0" cy="0"/>
+          <a:chOff x="0" y="0"/>
+          <a:chExt cx="0" cy="0"/>
+        </a:xfrm>
+      </p:grpSpPr>
+      <p:sp>
+        <p:nvSpPr>
+          <p:cNvPr id="57" name="Rectángulo: esquinas redondeadas 56">
+            <a:extLst>
+              <a:ext uri="{FF2B5EF4-FFF2-40B4-BE49-F238E27FC236}">
+                <a16:creationId xmlns:a16="http://schemas.microsoft.com/office/drawing/2014/main" id="{6795E6F1-5983-0260-23D6-2452E4994917}"/>
+              </a:ext>
+            </a:extLst>
+          </p:cNvPr>
+          <p:cNvSpPr/>
+          <p:nvPr/>
+        </p:nvSpPr>
+        <p:spPr>
+          <a:xfrm>
+            <a:off x="395524" y="161211"/>
+            <a:ext cx="2388870" cy="880110"/>
+          </a:xfrm>
+          <a:prstGeom prst="roundRect">
+            <a:avLst/>
+          </a:prstGeom>
+        </p:spPr>
+        <p:style>
+          <a:lnRef idx="2">
+            <a:schemeClr val="accent1">
+              <a:shade val="50000"/>
+            </a:schemeClr>
+          </a:lnRef>
+          <a:fillRef idx="1">
+            <a:schemeClr val="accent1"/>
+          </a:fillRef>
+          <a:effectRef idx="0">
+            <a:schemeClr val="accent1"/>
+          </a:effectRef>
+          <a:fontRef idx="minor">
+            <a:schemeClr val="lt1"/>
+          </a:fontRef>
+        </p:style>
+        <p:txBody>
+          <a:bodyPr rtlCol="0" anchor="ctr"/>
+          <a:lstStyle/>
+          <a:p>
+            <a:pPr algn="ctr"/>
+            <a:r>
+              <a:rPr lang="en-US" dirty="0"/>
+              <a:t>Virtual Lab Scheme</a:t>
+            </a:r>
+          </a:p>
+          <a:p>
+            <a:pPr algn="ctr"/>
+            <a:r>
+              <a:rPr lang="en-US" dirty="0"/>
+              <a:t>v1.0.0</a:t>
+            </a:r>
+          </a:p>
+        </p:txBody>
+      </p:sp>
+      <p:sp>
+        <p:nvSpPr>
+          <p:cNvPr id="2" name="Rectángulo: esquinas redondeadas 1">
+            <a:extLst>
+              <a:ext uri="{FF2B5EF4-FFF2-40B4-BE49-F238E27FC236}">
+                <a16:creationId xmlns:a16="http://schemas.microsoft.com/office/drawing/2014/main" id="{4103EB21-EEE9-E2B2-AF64-4E295C35553B}"/>
+              </a:ext>
+            </a:extLst>
+          </p:cNvPr>
+          <p:cNvSpPr/>
+          <p:nvPr/>
+        </p:nvSpPr>
+        <p:spPr>
+          <a:xfrm>
+            <a:off x="4627674" y="869493"/>
+            <a:ext cx="1938984" cy="752475"/>
+          </a:xfrm>
+          <a:prstGeom prst="roundRect">
+            <a:avLst/>
+          </a:prstGeom>
+        </p:spPr>
+        <p:style>
+          <a:lnRef idx="2">
+            <a:schemeClr val="accent1">
+              <a:shade val="50000"/>
+            </a:schemeClr>
+          </a:lnRef>
+          <a:fillRef idx="1">
+            <a:schemeClr val="accent1"/>
+          </a:fillRef>
+          <a:effectRef idx="0">
+            <a:schemeClr val="accent1"/>
+          </a:effectRef>
+          <a:fontRef idx="minor">
+            <a:schemeClr val="lt1"/>
+          </a:fontRef>
+        </p:style>
+        <p:txBody>
+          <a:bodyPr rtlCol="0" anchor="ctr"/>
+          <a:lstStyle/>
+          <a:p>
+            <a:pPr algn="ctr"/>
+            <a:r>
+              <a:rPr lang="en-US" dirty="0"/>
+              <a:t>Frontend/client</a:t>
+            </a:r>
+          </a:p>
+        </p:txBody>
+      </p:sp>
+      <p:sp>
+        <p:nvSpPr>
+          <p:cNvPr id="3" name="Rectángulo: esquinas redondeadas 2">
+            <a:extLst>
+              <a:ext uri="{FF2B5EF4-FFF2-40B4-BE49-F238E27FC236}">
+                <a16:creationId xmlns:a16="http://schemas.microsoft.com/office/drawing/2014/main" id="{A05A955D-993F-2E45-AE62-8E40EA16EBF0}"/>
+              </a:ext>
+            </a:extLst>
+          </p:cNvPr>
+          <p:cNvSpPr/>
+          <p:nvPr/>
+        </p:nvSpPr>
+        <p:spPr>
+          <a:xfrm>
+            <a:off x="4443897" y="4356845"/>
+            <a:ext cx="2306537" cy="752475"/>
+          </a:xfrm>
+          <a:prstGeom prst="roundRect">
+            <a:avLst/>
+          </a:prstGeom>
+        </p:spPr>
+        <p:style>
+          <a:lnRef idx="2">
+            <a:schemeClr val="accent1">
+              <a:shade val="50000"/>
+            </a:schemeClr>
+          </a:lnRef>
+          <a:fillRef idx="1">
+            <a:schemeClr val="accent1"/>
+          </a:fillRef>
+          <a:effectRef idx="0">
+            <a:schemeClr val="accent1"/>
+          </a:effectRef>
+          <a:fontRef idx="minor">
+            <a:schemeClr val="lt1"/>
+          </a:fontRef>
+        </p:style>
+        <p:txBody>
+          <a:bodyPr rtlCol="0" anchor="ctr"/>
+          <a:lstStyle/>
+          <a:p>
+            <a:pPr algn="ctr"/>
+            <a:r>
+              <a:rPr lang="en-US" dirty="0"/>
+              <a:t>Backend/server</a:t>
+            </a:r>
+          </a:p>
+        </p:txBody>
+      </p:sp>
+      <p:sp>
+        <p:nvSpPr>
+          <p:cNvPr id="8" name="Rectángulo: esquinas redondeadas 7">
+            <a:extLst>
+              <a:ext uri="{FF2B5EF4-FFF2-40B4-BE49-F238E27FC236}">
+                <a16:creationId xmlns:a16="http://schemas.microsoft.com/office/drawing/2014/main" id="{111238DA-4075-2638-FE86-0F2AB8830D58}"/>
+              </a:ext>
+            </a:extLst>
+          </p:cNvPr>
+          <p:cNvSpPr/>
+          <p:nvPr/>
+        </p:nvSpPr>
+        <p:spPr>
+          <a:xfrm>
+            <a:off x="5775165" y="5184248"/>
+            <a:ext cx="791493" cy="445770"/>
+          </a:xfrm>
+          <a:prstGeom prst="roundRect">
+            <a:avLst/>
+          </a:prstGeom>
+          <a:solidFill>
+            <a:srgbClr val="FFC000"/>
+          </a:solidFill>
+        </p:spPr>
+        <p:style>
+          <a:lnRef idx="2">
+            <a:schemeClr val="accent1">
+              <a:shade val="50000"/>
+            </a:schemeClr>
+          </a:lnRef>
+          <a:fillRef idx="1">
+            <a:schemeClr val="accent1"/>
+          </a:fillRef>
+          <a:effectRef idx="0">
+            <a:schemeClr val="accent1"/>
+          </a:effectRef>
+          <a:fontRef idx="minor">
+            <a:schemeClr val="lt1"/>
+          </a:fontRef>
+        </p:style>
+        <p:txBody>
+          <a:bodyPr rtlCol="0" anchor="ctr"/>
+          <a:lstStyle/>
+          <a:p>
+            <a:pPr algn="ctr"/>
+            <a:r>
+              <a:rPr lang="en-US" dirty="0" err="1"/>
+              <a:t>ts</a:t>
+            </a:r>
+            <a:endParaRPr lang="en-US" dirty="0"/>
+          </a:p>
+        </p:txBody>
+      </p:sp>
+      <p:sp>
+        <p:nvSpPr>
+          <p:cNvPr id="9" name="Rectángulo: esquinas redondeadas 8">
+            <a:extLst>
+              <a:ext uri="{FF2B5EF4-FFF2-40B4-BE49-F238E27FC236}">
+                <a16:creationId xmlns:a16="http://schemas.microsoft.com/office/drawing/2014/main" id="{80783D26-B5F4-34CF-A1AD-A2813F02CFAA}"/>
+              </a:ext>
+            </a:extLst>
+          </p:cNvPr>
+          <p:cNvSpPr/>
+          <p:nvPr/>
+        </p:nvSpPr>
+        <p:spPr>
+          <a:xfrm>
+            <a:off x="6750434" y="5184248"/>
+            <a:ext cx="791493" cy="445770"/>
+          </a:xfrm>
+          <a:prstGeom prst="roundRect">
+            <a:avLst/>
+          </a:prstGeom>
+          <a:solidFill>
+            <a:srgbClr val="FFC000"/>
+          </a:solidFill>
+        </p:spPr>
+        <p:style>
+          <a:lnRef idx="2">
+            <a:schemeClr val="accent1">
+              <a:shade val="50000"/>
+            </a:schemeClr>
+          </a:lnRef>
+          <a:fillRef idx="1">
+            <a:schemeClr val="accent1"/>
+          </a:fillRef>
+          <a:effectRef idx="0">
+            <a:schemeClr val="accent1"/>
+          </a:effectRef>
+          <a:fontRef idx="minor">
+            <a:schemeClr val="lt1"/>
+          </a:fontRef>
+        </p:style>
+        <p:txBody>
+          <a:bodyPr rtlCol="0" anchor="ctr"/>
+          <a:lstStyle/>
+          <a:p>
+            <a:pPr algn="ctr"/>
+            <a:r>
+              <a:rPr lang="en-US" dirty="0" err="1"/>
+              <a:t>js</a:t>
+            </a:r>
+            <a:endParaRPr lang="en-US" dirty="0"/>
+          </a:p>
+        </p:txBody>
+      </p:sp>
+      <p:sp>
+        <p:nvSpPr>
+          <p:cNvPr id="10" name="Rectángulo: esquinas redondeadas 9">
+            <a:extLst>
+              <a:ext uri="{FF2B5EF4-FFF2-40B4-BE49-F238E27FC236}">
+                <a16:creationId xmlns:a16="http://schemas.microsoft.com/office/drawing/2014/main" id="{3C285F31-BF25-CE54-9B45-C7DD0171CC16}"/>
+              </a:ext>
+            </a:extLst>
+          </p:cNvPr>
+          <p:cNvSpPr/>
+          <p:nvPr/>
+        </p:nvSpPr>
+        <p:spPr>
+          <a:xfrm>
+            <a:off x="4739748" y="321901"/>
+            <a:ext cx="1714834" cy="445770"/>
+          </a:xfrm>
+          <a:prstGeom prst="roundRect">
+            <a:avLst/>
+          </a:prstGeom>
+          <a:solidFill>
+            <a:srgbClr val="FFC000"/>
+          </a:solidFill>
+        </p:spPr>
+        <p:style>
+          <a:lnRef idx="2">
+            <a:schemeClr val="accent1">
+              <a:shade val="50000"/>
+            </a:schemeClr>
+          </a:lnRef>
+          <a:fillRef idx="1">
+            <a:schemeClr val="accent1"/>
+          </a:fillRef>
+          <a:effectRef idx="0">
+            <a:schemeClr val="accent1"/>
+          </a:effectRef>
+          <a:fontRef idx="minor">
+            <a:schemeClr val="lt1"/>
+          </a:fontRef>
+        </p:style>
+        <p:txBody>
+          <a:bodyPr rtlCol="0" anchor="ctr"/>
+          <a:lstStyle/>
+          <a:p>
+            <a:pPr algn="ctr"/>
+            <a:r>
+              <a:rPr lang="en-US" dirty="0"/>
+              <a:t>html</a:t>
+            </a:r>
+          </a:p>
+        </p:txBody>
+      </p:sp>
+      <p:sp>
+        <p:nvSpPr>
+          <p:cNvPr id="11" name="Rectángulo: esquinas redondeadas 10">
+            <a:extLst>
+              <a:ext uri="{FF2B5EF4-FFF2-40B4-BE49-F238E27FC236}">
+                <a16:creationId xmlns:a16="http://schemas.microsoft.com/office/drawing/2014/main" id="{DED7787E-0DC6-EC23-85AD-A67A83B57171}"/>
+              </a:ext>
+            </a:extLst>
+          </p:cNvPr>
+          <p:cNvSpPr/>
+          <p:nvPr/>
+        </p:nvSpPr>
+        <p:spPr>
+          <a:xfrm>
+            <a:off x="6566658" y="312853"/>
+            <a:ext cx="712683" cy="445770"/>
+          </a:xfrm>
+          <a:prstGeom prst="roundRect">
+            <a:avLst/>
+          </a:prstGeom>
+          <a:solidFill>
+            <a:srgbClr val="FFC000"/>
+          </a:solidFill>
+        </p:spPr>
+        <p:style>
+          <a:lnRef idx="2">
+            <a:schemeClr val="accent1">
+              <a:shade val="50000"/>
+            </a:schemeClr>
+          </a:lnRef>
+          <a:fillRef idx="1">
+            <a:schemeClr val="accent1"/>
+          </a:fillRef>
+          <a:effectRef idx="0">
+            <a:schemeClr val="accent1"/>
+          </a:effectRef>
+          <a:fontRef idx="minor">
+            <a:schemeClr val="lt1"/>
+          </a:fontRef>
+        </p:style>
+        <p:txBody>
+          <a:bodyPr rtlCol="0" anchor="ctr"/>
+          <a:lstStyle/>
+          <a:p>
+            <a:pPr algn="ctr"/>
+            <a:r>
+              <a:rPr lang="en-US" dirty="0" err="1"/>
+              <a:t>js</a:t>
+            </a:r>
+            <a:endParaRPr lang="en-US" dirty="0"/>
+          </a:p>
+        </p:txBody>
+      </p:sp>
+    </p:spTree>
+    <p:extLst>
+      <p:ext uri="{BB962C8B-B14F-4D97-AF65-F5344CB8AC3E}">
+        <p14:creationId xmlns:p14="http://schemas.microsoft.com/office/powerpoint/2010/main" val="3615985969"/>
+      </p:ext>
+    </p:extLst>
+  </p:cSld>
+  <p:clrMapOvr>
+    <a:masterClrMapping/>
+  </p:clrMapOvr>
+</p:sld>
+</file>
+
 <file path=ppt/theme/theme1.xml><?xml version="1.0" encoding="utf-8"?>
 <a:theme xmlns:a="http://schemas.openxmlformats.org/drawingml/2006/main" name="Tema de Office">
   <a:themeElements>
